--- a/Day8-Regression-Graph/Ch10-Summary.pptx
+++ b/Day8-Regression-Graph/Ch10-Summary.pptx
@@ -273,7 +273,7 @@
                 <a:ea typeface="Tahoma" pitchFamily="34" charset="0"/>
                 <a:cs typeface="Tahoma" pitchFamily="34" charset="0"/>
               </a:rPr>
-              <a:t>811M: Python for Data Scientists</a:t>
+              <a:t>Python Program</a:t>
             </a:r>
           </a:p>
         </p:txBody>
@@ -795,7 +795,7 @@
                 </a:solidFill>
                 <a:latin typeface="Tahoma" pitchFamily="34" charset="0"/>
               </a:rPr>
-              <a:t>811M: Python for Data Scientists</a:t>
+              <a:t>Python Program</a:t>
             </a:r>
           </a:p>
         </p:txBody>
@@ -5043,7 +5043,7 @@
                 </a:solidFill>
                 <a:latin typeface="Tahoma" charset="0"/>
               </a:rPr>
-              <a:t>© 2019</a:t>
+              <a:t>© 2020</a:t>
             </a:r>
             <a:r>
               <a:rPr lang="en-US" sz="700" b="0" baseline="0" dirty="0">
@@ -5145,7 +5145,7 @@
                 <a:ea typeface="Tahoma" panose="020B0604030504040204" pitchFamily="34" charset="0"/>
                 <a:cs typeface="Tahoma" panose="020B0604030504040204" pitchFamily="34" charset="0"/>
               </a:rPr>
-              <a:t>811M: Python for Data Scientists</a:t>
+              <a:t>Python Program</a:t>
             </a:r>
           </a:p>
         </p:txBody>
@@ -5921,7 +5921,7 @@
           <a:p>
             <a:r>
               <a:rPr lang="en-US" dirty="0"/>
-              <a:t>Python for Data Scientists</a:t>
+              <a:t>Python Program</a:t>
             </a:r>
           </a:p>
         </p:txBody>
@@ -6073,10 +6073,10 @@
       </p:grpSpPr>
       <p:sp>
         <p:nvSpPr>
-          <p:cNvPr id="11" name="Title 1">
+          <p:cNvPr id="10" name="Title 1">
             <a:extLst>
               <a:ext uri="{FF2B5EF4-FFF2-40B4-BE49-F238E27FC236}">
-                <a16:creationId xmlns:a16="http://schemas.microsoft.com/office/drawing/2014/main" id="{BB9E1387-A1A2-44AB-A8B2-2271004E01CE}"/>
+                <a16:creationId xmlns:a16="http://schemas.microsoft.com/office/drawing/2014/main" id="{87774B1D-997B-4D8E-89CC-A995C4DC4246}"/>
               </a:ext>
             </a:extLst>
           </p:cNvPr>
@@ -6107,10 +6107,10 @@
       </p:sp>
       <p:sp>
         <p:nvSpPr>
-          <p:cNvPr id="16" name="Text Box 4">
+          <p:cNvPr id="12" name="Text Box 4">
             <a:extLst>
               <a:ext uri="{FF2B5EF4-FFF2-40B4-BE49-F238E27FC236}">
-                <a16:creationId xmlns:a16="http://schemas.microsoft.com/office/drawing/2014/main" id="{CE7E2613-FB47-4357-9904-E67A33DBBB0D}"/>
+                <a16:creationId xmlns:a16="http://schemas.microsoft.com/office/drawing/2014/main" id="{2B798537-E784-469E-92FA-09C33E82EC94}"/>
               </a:ext>
             </a:extLst>
           </p:cNvPr>
@@ -6303,23 +6303,17 @@
       </p:sp>
       <p:graphicFrame>
         <p:nvGraphicFramePr>
-          <p:cNvPr id="7" name="Table 6">
+          <p:cNvPr id="13" name="Table 12">
             <a:extLst>
               <a:ext uri="{FF2B5EF4-FFF2-40B4-BE49-F238E27FC236}">
-                <a16:creationId xmlns:a16="http://schemas.microsoft.com/office/drawing/2014/main" id="{71A5C21A-0743-4E14-86E7-9FA3FBE64C25}"/>
+                <a16:creationId xmlns:a16="http://schemas.microsoft.com/office/drawing/2014/main" id="{9CAF0153-87AE-4106-AB37-D30543CE10D2}"/>
               </a:ext>
             </a:extLst>
           </p:cNvPr>
           <p:cNvGraphicFramePr>
             <a:graphicFrameLocks noGrp="1"/>
           </p:cNvGraphicFramePr>
-          <p:nvPr>
-            <p:extLst>
-              <p:ext uri="{D42A27DB-BD31-4B8C-83A1-F6EECF244321}">
-                <p14:modId xmlns:p14="http://schemas.microsoft.com/office/powerpoint/2010/main" val="121492440"/>
-              </p:ext>
-            </p:extLst>
-          </p:nvPr>
+          <p:nvPr/>
         </p:nvGraphicFramePr>
         <p:xfrm>
           <a:off x="4557265" y="1333500"/>
@@ -6853,23 +6847,17 @@
       </p:graphicFrame>
       <p:graphicFrame>
         <p:nvGraphicFramePr>
-          <p:cNvPr id="8" name="Table 7">
+          <p:cNvPr id="14" name="Table 13">
             <a:extLst>
               <a:ext uri="{FF2B5EF4-FFF2-40B4-BE49-F238E27FC236}">
-                <a16:creationId xmlns:a16="http://schemas.microsoft.com/office/drawing/2014/main" id="{DF79AE5C-39EC-42B0-AF75-C28E99E75FF5}"/>
+                <a16:creationId xmlns:a16="http://schemas.microsoft.com/office/drawing/2014/main" id="{D282BDB6-3A0B-4394-9802-21B6C7C9924B}"/>
               </a:ext>
             </a:extLst>
           </p:cNvPr>
           <p:cNvGraphicFramePr>
             <a:graphicFrameLocks noGrp="1"/>
           </p:cNvGraphicFramePr>
-          <p:nvPr>
-            <p:extLst>
-              <p:ext uri="{D42A27DB-BD31-4B8C-83A1-F6EECF244321}">
-                <p14:modId xmlns:p14="http://schemas.microsoft.com/office/powerpoint/2010/main" val="673183842"/>
-              </p:ext>
-            </p:extLst>
-          </p:nvPr>
+          <p:nvPr/>
         </p:nvGraphicFramePr>
         <p:xfrm>
           <a:off x="490400" y="1333500"/>
@@ -7406,56 +7394,38 @@
       </p:graphicFrame>
       <p:pic>
         <p:nvPicPr>
-          <p:cNvPr id="9" name="Picture 3" descr="tick">
+          <p:cNvPr id="15" name="Picture 14" descr="A group of people around each other&#10;&#10;Description automatically generated">
             <a:extLst>
               <a:ext uri="{FF2B5EF4-FFF2-40B4-BE49-F238E27FC236}">
-                <a16:creationId xmlns:a16="http://schemas.microsoft.com/office/drawing/2014/main" id="{1DB4FF4E-3B40-4D0B-826C-316BD3F2647A}"/>
+                <a16:creationId xmlns:a16="http://schemas.microsoft.com/office/drawing/2014/main" id="{71A02316-8EB1-4266-844C-EFEC5CBD8C9B}"/>
               </a:ext>
             </a:extLst>
           </p:cNvPr>
           <p:cNvPicPr>
-            <a:picLocks noChangeAspect="1" noChangeArrowheads="1"/>
+            <a:picLocks noChangeAspect="1"/>
           </p:cNvPicPr>
           <p:nvPr/>
         </p:nvPicPr>
         <p:blipFill>
-          <a:blip r:embed="rId4"/>
-          <a:srcRect/>
+          <a:blip r:embed="rId4">
+            <a:extLst>
+              <a:ext uri="{28A0092B-C50C-407E-A947-70E740481C1C}">
+                <a14:useLocalDpi xmlns:a14="http://schemas.microsoft.com/office/drawing/2010/main" val="0"/>
+              </a:ext>
+            </a:extLst>
+          </a:blip>
           <a:stretch>
             <a:fillRect/>
           </a:stretch>
         </p:blipFill>
-        <p:spPr bwMode="auto">
+        <p:spPr>
           <a:xfrm>
-            <a:off x="7590290" y="4585429"/>
-            <a:ext cx="1481197" cy="1666340"/>
+            <a:off x="7360818" y="3601894"/>
+            <a:ext cx="1703641" cy="2473599"/>
           </a:xfrm>
           <a:prstGeom prst="rect">
             <a:avLst/>
           </a:prstGeom>
-          <a:ln>
-            <a:noFill/>
-          </a:ln>
-          <a:effectLst/>
-          <a:extLst>
-            <a:ext uri="{909E8E84-426E-40DD-AFC4-6F175D3DCCD1}">
-              <a14:hiddenFill xmlns:a14="http://schemas.microsoft.com/office/drawing/2010/main">
-                <a:solidFill>
-                  <a:srgbClr val="FFFFFF"/>
-                </a:solidFill>
-              </a14:hiddenFill>
-            </a:ext>
-            <a:ext uri="{91240B29-F687-4F45-9708-019B960494DF}">
-              <a14:hiddenLine xmlns:a14="http://schemas.microsoft.com/office/drawing/2010/main" w="9525">
-                <a:solidFill>
-                  <a:srgbClr val="000000"/>
-                </a:solidFill>
-                <a:miter lim="800000"/>
-                <a:headEnd/>
-                <a:tailEnd/>
-              </a14:hiddenLine>
-            </a:ext>
-          </a:extLst>
         </p:spPr>
       </p:pic>
     </p:spTree>
@@ -10312,12 +10282,9 @@
 </file>
 
 <file path=customXml/item1.xml><?xml version="1.0" encoding="utf-8"?>
-<?mso-contentType ?>
-<FormTemplates xmlns="http://schemas.microsoft.com/sharepoint/v3/contenttype/forms">
-  <Display>DocumentLibraryForm</Display>
-  <Edit>DocumentLibraryForm</Edit>
-  <New>DocumentLibraryForm</New>
-</FormTemplates>
+<p:properties xmlns:p="http://schemas.microsoft.com/office/2006/metadata/properties" xmlns:xsi="http://www.w3.org/2001/XMLSchema-instance" xmlns:pc="http://schemas.microsoft.com/office/infopath/2007/PartnerControls">
+  <documentManagement/>
+</p:properties>
 </file>
 
 <file path=customXml/item2.xml><?xml version="1.0" encoding="utf-8"?>
@@ -10473,15 +10440,26 @@
 </file>
 
 <file path=customXml/item3.xml><?xml version="1.0" encoding="utf-8"?>
-<p:properties xmlns:p="http://schemas.microsoft.com/office/2006/metadata/properties" xmlns:xsi="http://www.w3.org/2001/XMLSchema-instance" xmlns:pc="http://schemas.microsoft.com/office/infopath/2007/PartnerControls">
-  <documentManagement/>
-</p:properties>
+<?mso-contentType ?>
+<FormTemplates xmlns="http://schemas.microsoft.com/sharepoint/v3/contenttype/forms">
+  <Display>DocumentLibraryForm</Display>
+  <Edit>DocumentLibraryForm</Edit>
+  <New>DocumentLibraryForm</New>
+</FormTemplates>
 </file>
 
 <file path=customXml/itemProps1.xml><?xml version="1.0" encoding="utf-8"?>
-<ds:datastoreItem xmlns:ds="http://schemas.openxmlformats.org/officeDocument/2006/customXml" ds:itemID="{2DA015F3-603C-4688-A5F3-81D587DAB8C9}">
+<ds:datastoreItem xmlns:ds="http://schemas.openxmlformats.org/officeDocument/2006/customXml" ds:itemID="{F47B9207-CE5C-49AD-B414-15CBFA246D65}">
   <ds:schemaRefs>
-    <ds:schemaRef ds:uri="http://schemas.microsoft.com/sharepoint/v3/contenttype/forms"/>
+    <ds:schemaRef ds:uri="http://purl.org/dc/dcmitype/"/>
+    <ds:schemaRef ds:uri="http://schemas.microsoft.com/office/infopath/2007/PartnerControls"/>
+    <ds:schemaRef ds:uri="http://schemas.microsoft.com/office/2006/documentManagement/types"/>
+    <ds:schemaRef ds:uri="http://schemas.microsoft.com/office/2006/metadata/properties"/>
+    <ds:schemaRef ds:uri="http://purl.org/dc/terms/"/>
+    <ds:schemaRef ds:uri="3f1ded34-099e-46dd-b0de-95a90e7e1e5f"/>
+    <ds:schemaRef ds:uri="http://schemas.openxmlformats.org/package/2006/metadata/core-properties"/>
+    <ds:schemaRef ds:uri="http://www.w3.org/XML/1998/namespace"/>
+    <ds:schemaRef ds:uri="http://purl.org/dc/elements/1.1/"/>
   </ds:schemaRefs>
 </ds:datastoreItem>
 </file>
@@ -10505,17 +10483,9 @@
 </file>
 
 <file path=customXml/itemProps3.xml><?xml version="1.0" encoding="utf-8"?>
-<ds:datastoreItem xmlns:ds="http://schemas.openxmlformats.org/officeDocument/2006/customXml" ds:itemID="{F47B9207-CE5C-49AD-B414-15CBFA246D65}">
+<ds:datastoreItem xmlns:ds="http://schemas.openxmlformats.org/officeDocument/2006/customXml" ds:itemID="{2DA015F3-603C-4688-A5F3-81D587DAB8C9}">
   <ds:schemaRefs>
-    <ds:schemaRef ds:uri="http://purl.org/dc/dcmitype/"/>
-    <ds:schemaRef ds:uri="http://schemas.microsoft.com/office/infopath/2007/PartnerControls"/>
-    <ds:schemaRef ds:uri="http://schemas.microsoft.com/office/2006/documentManagement/types"/>
-    <ds:schemaRef ds:uri="http://schemas.microsoft.com/office/2006/metadata/properties"/>
-    <ds:schemaRef ds:uri="http://purl.org/dc/terms/"/>
-    <ds:schemaRef ds:uri="3f1ded34-099e-46dd-b0de-95a90e7e1e5f"/>
-    <ds:schemaRef ds:uri="http://schemas.openxmlformats.org/package/2006/metadata/core-properties"/>
-    <ds:schemaRef ds:uri="http://www.w3.org/XML/1998/namespace"/>
-    <ds:schemaRef ds:uri="http://purl.org/dc/elements/1.1/"/>
+    <ds:schemaRef ds:uri="http://schemas.microsoft.com/sharepoint/v3/contenttype/forms"/>
   </ds:schemaRefs>
 </ds:datastoreItem>
 </file>